--- a/Project/Documentos/proyecto_final/Servidor_de_tiquetes.pptx
+++ b/Project/Documentos/proyecto_final/Servidor_de_tiquetes.pptx
@@ -243,7 +243,7 @@
           <a:p>
             <a:fld id="{DEE7E1AF-86C7-4DED-ADE0-AED17989966B}" type="datetimeFigureOut">
               <a:rPr lang="es-CO" smtClean="0"/>
-              <a:t>28/05/2025</a:t>
+              <a:t>29/05/2025</a:t>
             </a:fld>
             <a:endParaRPr lang="es-CO"/>
           </a:p>
@@ -402,7 +402,7 @@
           <a:p>
             <a:fld id="{4600BED6-DE3C-4085-94EE-B5A126D1AF88}" type="slidenum">
               <a:rPr lang="es-CO" smtClean="0"/>
-              <a:t>‹Nº›</a:t>
+              <a:t>‹#›</a:t>
             </a:fld>
             <a:endParaRPr lang="es-CO"/>
           </a:p>
@@ -530,6 +530,93 @@
       </p:grpSpPr>
       <p:sp>
         <p:nvSpPr>
+          <p:cNvPr id="2" name="Slide Image Placeholder 1"/>
+          <p:cNvSpPr>
+            <a:spLocks noGrp="1" noRot="1" noChangeAspect="1"/>
+          </p:cNvSpPr>
+          <p:nvPr>
+            <p:ph type="sldImg"/>
+          </p:nvPr>
+        </p:nvSpPr>
+        <p:spPr/>
+      </p:sp>
+      <p:sp>
+        <p:nvSpPr>
+          <p:cNvPr id="3" name="Notes Placeholder 2"/>
+          <p:cNvSpPr>
+            <a:spLocks noGrp="1"/>
+          </p:cNvSpPr>
+          <p:nvPr>
+            <p:ph type="body" idx="1"/>
+          </p:nvPr>
+        </p:nvSpPr>
+        <p:spPr/>
+        <p:txBody>
+          <a:bodyPr/>
+          <a:lstStyle/>
+          <a:p>
+            <a:r>
+              <a:rPr lang="es-CO" dirty="0"/>
+              <a:t>Como vana soportar las notificaciones?</a:t>
+            </a:r>
+          </a:p>
+        </p:txBody>
+      </p:sp>
+      <p:sp>
+        <p:nvSpPr>
+          <p:cNvPr id="4" name="Slide Number Placeholder 3"/>
+          <p:cNvSpPr>
+            <a:spLocks noGrp="1"/>
+          </p:cNvSpPr>
+          <p:nvPr>
+            <p:ph type="sldNum" sz="quarter" idx="5"/>
+          </p:nvPr>
+        </p:nvSpPr>
+        <p:spPr/>
+        <p:txBody>
+          <a:bodyPr/>
+          <a:lstStyle/>
+          <a:p>
+            <a:fld id="{4600BED6-DE3C-4085-94EE-B5A126D1AF88}" type="slidenum">
+              <a:rPr lang="es-CO" smtClean="0"/>
+              <a:t>4</a:t>
+            </a:fld>
+            <a:endParaRPr lang="es-CO"/>
+          </a:p>
+        </p:txBody>
+      </p:sp>
+    </p:spTree>
+    <p:extLst>
+      <p:ext uri="{BB962C8B-B14F-4D97-AF65-F5344CB8AC3E}">
+        <p14:creationId xmlns:p14="http://schemas.microsoft.com/office/powerpoint/2010/main" val="2718295279"/>
+      </p:ext>
+    </p:extLst>
+  </p:cSld>
+  <p:clrMapOvr>
+    <a:masterClrMapping/>
+  </p:clrMapOvr>
+</p:notes>
+</file>
+
+<file path=ppt/notesSlides/notesSlide2.xml><?xml version="1.0" encoding="utf-8"?>
+<p:notes xmlns:a="http://schemas.openxmlformats.org/drawingml/2006/main" xmlns:r="http://schemas.openxmlformats.org/officeDocument/2006/relationships" xmlns:p="http://schemas.openxmlformats.org/presentationml/2006/main">
+  <p:cSld>
+    <p:spTree>
+      <p:nvGrpSpPr>
+        <p:cNvPr id="1" name=""/>
+        <p:cNvGrpSpPr/>
+        <p:nvPr/>
+      </p:nvGrpSpPr>
+      <p:grpSpPr>
+        <a:xfrm>
+          <a:off x="0" y="0"/>
+          <a:ext cx="0" cy="0"/>
+          <a:chOff x="0" y="0"/>
+          <a:chExt cx="0" cy="0"/>
+        </a:xfrm>
+      </p:grpSpPr>
+      <p:sp>
+        <p:nvSpPr>
           <p:cNvPr id="2" name="Marcador de imagen de diapositiva 1"/>
           <p:cNvSpPr>
             <a:spLocks noGrp="1" noRot="1" noChangeAspect="1"/>
@@ -586,6 +673,473 @@
     <p:extLst>
       <p:ext uri="{BB962C8B-B14F-4D97-AF65-F5344CB8AC3E}">
         <p14:creationId xmlns:p14="http://schemas.microsoft.com/office/powerpoint/2010/main" val="3304102043"/>
+      </p:ext>
+    </p:extLst>
+  </p:cSld>
+  <p:clrMapOvr>
+    <a:masterClrMapping/>
+  </p:clrMapOvr>
+</p:notes>
+</file>
+
+<file path=ppt/notesSlides/notesSlide3.xml><?xml version="1.0" encoding="utf-8"?>
+<p:notes xmlns:a="http://schemas.openxmlformats.org/drawingml/2006/main" xmlns:r="http://schemas.openxmlformats.org/officeDocument/2006/relationships" xmlns:p="http://schemas.openxmlformats.org/presentationml/2006/main">
+  <p:cSld>
+    <p:spTree>
+      <p:nvGrpSpPr>
+        <p:cNvPr id="1" name=""/>
+        <p:cNvGrpSpPr/>
+        <p:nvPr/>
+      </p:nvGrpSpPr>
+      <p:grpSpPr>
+        <a:xfrm>
+          <a:off x="0" y="0"/>
+          <a:ext cx="0" cy="0"/>
+          <a:chOff x="0" y="0"/>
+          <a:chExt cx="0" cy="0"/>
+        </a:xfrm>
+      </p:grpSpPr>
+      <p:sp>
+        <p:nvSpPr>
+          <p:cNvPr id="2" name="Slide Image Placeholder 1"/>
+          <p:cNvSpPr>
+            <a:spLocks noGrp="1" noRot="1" noChangeAspect="1"/>
+          </p:cNvSpPr>
+          <p:nvPr>
+            <p:ph type="sldImg"/>
+          </p:nvPr>
+        </p:nvSpPr>
+        <p:spPr/>
+      </p:sp>
+      <p:sp>
+        <p:nvSpPr>
+          <p:cNvPr id="3" name="Notes Placeholder 2"/>
+          <p:cNvSpPr>
+            <a:spLocks noGrp="1"/>
+          </p:cNvSpPr>
+          <p:nvPr>
+            <p:ph type="body" idx="1"/>
+          </p:nvPr>
+        </p:nvSpPr>
+        <p:spPr/>
+        <p:txBody>
+          <a:bodyPr/>
+          <a:lstStyle/>
+          <a:p>
+            <a:r>
+              <a:rPr lang="es-CO" dirty="0"/>
+              <a:t>El resto de Atributos como los valoraron?</a:t>
+            </a:r>
+          </a:p>
+          <a:p>
+            <a:endParaRPr lang="es-CO" dirty="0"/>
+          </a:p>
+        </p:txBody>
+      </p:sp>
+      <p:sp>
+        <p:nvSpPr>
+          <p:cNvPr id="4" name="Slide Number Placeholder 3"/>
+          <p:cNvSpPr>
+            <a:spLocks noGrp="1"/>
+          </p:cNvSpPr>
+          <p:nvPr>
+            <p:ph type="sldNum" sz="quarter" idx="5"/>
+          </p:nvPr>
+        </p:nvSpPr>
+        <p:spPr/>
+        <p:txBody>
+          <a:bodyPr/>
+          <a:lstStyle/>
+          <a:p>
+            <a:fld id="{4600BED6-DE3C-4085-94EE-B5A126D1AF88}" type="slidenum">
+              <a:rPr lang="es-CO" smtClean="0"/>
+              <a:t>6</a:t>
+            </a:fld>
+            <a:endParaRPr lang="es-CO"/>
+          </a:p>
+        </p:txBody>
+      </p:sp>
+    </p:spTree>
+    <p:extLst>
+      <p:ext uri="{BB962C8B-B14F-4D97-AF65-F5344CB8AC3E}">
+        <p14:creationId xmlns:p14="http://schemas.microsoft.com/office/powerpoint/2010/main" val="4284226063"/>
+      </p:ext>
+    </p:extLst>
+  </p:cSld>
+  <p:clrMapOvr>
+    <a:masterClrMapping/>
+  </p:clrMapOvr>
+</p:notes>
+</file>
+
+<file path=ppt/notesSlides/notesSlide4.xml><?xml version="1.0" encoding="utf-8"?>
+<p:notes xmlns:a="http://schemas.openxmlformats.org/drawingml/2006/main" xmlns:r="http://schemas.openxmlformats.org/officeDocument/2006/relationships" xmlns:p="http://schemas.openxmlformats.org/presentationml/2006/main">
+  <p:cSld>
+    <p:spTree>
+      <p:nvGrpSpPr>
+        <p:cNvPr id="1" name=""/>
+        <p:cNvGrpSpPr/>
+        <p:nvPr/>
+      </p:nvGrpSpPr>
+      <p:grpSpPr>
+        <a:xfrm>
+          <a:off x="0" y="0"/>
+          <a:ext cx="0" cy="0"/>
+          <a:chOff x="0" y="0"/>
+          <a:chExt cx="0" cy="0"/>
+        </a:xfrm>
+      </p:grpSpPr>
+      <p:sp>
+        <p:nvSpPr>
+          <p:cNvPr id="2" name="Slide Image Placeholder 1"/>
+          <p:cNvSpPr>
+            <a:spLocks noGrp="1" noRot="1" noChangeAspect="1"/>
+          </p:cNvSpPr>
+          <p:nvPr>
+            <p:ph type="sldImg"/>
+          </p:nvPr>
+        </p:nvSpPr>
+        <p:spPr/>
+      </p:sp>
+      <p:sp>
+        <p:nvSpPr>
+          <p:cNvPr id="3" name="Notes Placeholder 2"/>
+          <p:cNvSpPr>
+            <a:spLocks noGrp="1"/>
+          </p:cNvSpPr>
+          <p:nvPr>
+            <p:ph type="body" idx="1"/>
+          </p:nvPr>
+        </p:nvSpPr>
+        <p:spPr/>
+        <p:txBody>
+          <a:bodyPr/>
+          <a:lstStyle/>
+          <a:p>
+            <a:endParaRPr lang="es-CO" dirty="0"/>
+          </a:p>
+        </p:txBody>
+      </p:sp>
+      <p:sp>
+        <p:nvSpPr>
+          <p:cNvPr id="4" name="Slide Number Placeholder 3"/>
+          <p:cNvSpPr>
+            <a:spLocks noGrp="1"/>
+          </p:cNvSpPr>
+          <p:nvPr>
+            <p:ph type="sldNum" sz="quarter" idx="5"/>
+          </p:nvPr>
+        </p:nvSpPr>
+        <p:spPr/>
+        <p:txBody>
+          <a:bodyPr/>
+          <a:lstStyle/>
+          <a:p>
+            <a:fld id="{4600BED6-DE3C-4085-94EE-B5A126D1AF88}" type="slidenum">
+              <a:rPr lang="es-CO" smtClean="0"/>
+              <a:t>7</a:t>
+            </a:fld>
+            <a:endParaRPr lang="es-CO"/>
+          </a:p>
+        </p:txBody>
+      </p:sp>
+    </p:spTree>
+    <p:extLst>
+      <p:ext uri="{BB962C8B-B14F-4D97-AF65-F5344CB8AC3E}">
+        <p14:creationId xmlns:p14="http://schemas.microsoft.com/office/powerpoint/2010/main" val="2596855642"/>
+      </p:ext>
+    </p:extLst>
+  </p:cSld>
+  <p:clrMapOvr>
+    <a:masterClrMapping/>
+  </p:clrMapOvr>
+</p:notes>
+</file>
+
+<file path=ppt/notesSlides/notesSlide5.xml><?xml version="1.0" encoding="utf-8"?>
+<p:notes xmlns:a="http://schemas.openxmlformats.org/drawingml/2006/main" xmlns:r="http://schemas.openxmlformats.org/officeDocument/2006/relationships" xmlns:p="http://schemas.openxmlformats.org/presentationml/2006/main">
+  <p:cSld>
+    <p:spTree>
+      <p:nvGrpSpPr>
+        <p:cNvPr id="1" name=""/>
+        <p:cNvGrpSpPr/>
+        <p:nvPr/>
+      </p:nvGrpSpPr>
+      <p:grpSpPr>
+        <a:xfrm>
+          <a:off x="0" y="0"/>
+          <a:ext cx="0" cy="0"/>
+          <a:chOff x="0" y="0"/>
+          <a:chExt cx="0" cy="0"/>
+        </a:xfrm>
+      </p:grpSpPr>
+      <p:sp>
+        <p:nvSpPr>
+          <p:cNvPr id="2" name="Slide Image Placeholder 1"/>
+          <p:cNvSpPr>
+            <a:spLocks noGrp="1" noRot="1" noChangeAspect="1"/>
+          </p:cNvSpPr>
+          <p:nvPr>
+            <p:ph type="sldImg"/>
+          </p:nvPr>
+        </p:nvSpPr>
+        <p:spPr/>
+      </p:sp>
+      <p:sp>
+        <p:nvSpPr>
+          <p:cNvPr id="3" name="Notes Placeholder 2"/>
+          <p:cNvSpPr>
+            <a:spLocks noGrp="1"/>
+          </p:cNvSpPr>
+          <p:nvPr>
+            <p:ph type="body" idx="1"/>
+          </p:nvPr>
+        </p:nvSpPr>
+        <p:spPr/>
+        <p:txBody>
+          <a:bodyPr/>
+          <a:lstStyle/>
+          <a:p>
+            <a:r>
+              <a:rPr lang="es-CO" dirty="0"/>
+              <a:t>Como pensaron en segmentar los tickets por numeración?</a:t>
+            </a:r>
+          </a:p>
+        </p:txBody>
+      </p:sp>
+      <p:sp>
+        <p:nvSpPr>
+          <p:cNvPr id="4" name="Slide Number Placeholder 3"/>
+          <p:cNvSpPr>
+            <a:spLocks noGrp="1"/>
+          </p:cNvSpPr>
+          <p:nvPr>
+            <p:ph type="sldNum" sz="quarter" idx="5"/>
+          </p:nvPr>
+        </p:nvSpPr>
+        <p:spPr/>
+        <p:txBody>
+          <a:bodyPr/>
+          <a:lstStyle/>
+          <a:p>
+            <a:fld id="{4600BED6-DE3C-4085-94EE-B5A126D1AF88}" type="slidenum">
+              <a:rPr lang="es-CO" smtClean="0"/>
+              <a:t>9</a:t>
+            </a:fld>
+            <a:endParaRPr lang="es-CO"/>
+          </a:p>
+        </p:txBody>
+      </p:sp>
+    </p:spTree>
+    <p:extLst>
+      <p:ext uri="{BB962C8B-B14F-4D97-AF65-F5344CB8AC3E}">
+        <p14:creationId xmlns:p14="http://schemas.microsoft.com/office/powerpoint/2010/main" val="2863152458"/>
+      </p:ext>
+    </p:extLst>
+  </p:cSld>
+  <p:clrMapOvr>
+    <a:masterClrMapping/>
+  </p:clrMapOvr>
+</p:notes>
+</file>
+
+<file path=ppt/notesSlides/notesSlide6.xml><?xml version="1.0" encoding="utf-8"?>
+<p:notes xmlns:a="http://schemas.openxmlformats.org/drawingml/2006/main" xmlns:r="http://schemas.openxmlformats.org/officeDocument/2006/relationships" xmlns:p="http://schemas.openxmlformats.org/presentationml/2006/main">
+  <p:cSld>
+    <p:spTree>
+      <p:nvGrpSpPr>
+        <p:cNvPr id="1" name=""/>
+        <p:cNvGrpSpPr/>
+        <p:nvPr/>
+      </p:nvGrpSpPr>
+      <p:grpSpPr>
+        <a:xfrm>
+          <a:off x="0" y="0"/>
+          <a:ext cx="0" cy="0"/>
+          <a:chOff x="0" y="0"/>
+          <a:chExt cx="0" cy="0"/>
+        </a:xfrm>
+      </p:grpSpPr>
+      <p:sp>
+        <p:nvSpPr>
+          <p:cNvPr id="2" name="Slide Image Placeholder 1"/>
+          <p:cNvSpPr>
+            <a:spLocks noGrp="1" noRot="1" noChangeAspect="1"/>
+          </p:cNvSpPr>
+          <p:nvPr>
+            <p:ph type="sldImg"/>
+          </p:nvPr>
+        </p:nvSpPr>
+        <p:spPr/>
+      </p:sp>
+      <p:sp>
+        <p:nvSpPr>
+          <p:cNvPr id="3" name="Notes Placeholder 2"/>
+          <p:cNvSpPr>
+            <a:spLocks noGrp="1"/>
+          </p:cNvSpPr>
+          <p:nvPr>
+            <p:ph type="body" idx="1"/>
+          </p:nvPr>
+        </p:nvSpPr>
+        <p:spPr/>
+        <p:txBody>
+          <a:bodyPr/>
+          <a:lstStyle/>
+          <a:p>
+            <a:r>
+              <a:rPr lang="es-CO" dirty="0"/>
+              <a:t>Por que no pensaron en </a:t>
+            </a:r>
+            <a:r>
+              <a:rPr lang="es-CO" dirty="0" err="1"/>
+              <a:t>Mesage</a:t>
+            </a:r>
+            <a:r>
+              <a:rPr lang="es-CO" dirty="0"/>
+              <a:t> </a:t>
+            </a:r>
+            <a:r>
+              <a:rPr lang="es-CO" dirty="0" err="1"/>
+              <a:t>Broker</a:t>
+            </a:r>
+            <a:r>
+              <a:rPr lang="es-CO" dirty="0"/>
+              <a:t>? En lugar de microservicios?</a:t>
+            </a:r>
+          </a:p>
+          <a:p>
+            <a:endParaRPr lang="es-CO" dirty="0"/>
+          </a:p>
+        </p:txBody>
+      </p:sp>
+      <p:sp>
+        <p:nvSpPr>
+          <p:cNvPr id="4" name="Slide Number Placeholder 3"/>
+          <p:cNvSpPr>
+            <a:spLocks noGrp="1"/>
+          </p:cNvSpPr>
+          <p:nvPr>
+            <p:ph type="sldNum" sz="quarter" idx="5"/>
+          </p:nvPr>
+        </p:nvSpPr>
+        <p:spPr/>
+        <p:txBody>
+          <a:bodyPr/>
+          <a:lstStyle/>
+          <a:p>
+            <a:fld id="{4600BED6-DE3C-4085-94EE-B5A126D1AF88}" type="slidenum">
+              <a:rPr lang="es-CO" smtClean="0"/>
+              <a:t>16</a:t>
+            </a:fld>
+            <a:endParaRPr lang="es-CO"/>
+          </a:p>
+        </p:txBody>
+      </p:sp>
+    </p:spTree>
+    <p:extLst>
+      <p:ext uri="{BB962C8B-B14F-4D97-AF65-F5344CB8AC3E}">
+        <p14:creationId xmlns:p14="http://schemas.microsoft.com/office/powerpoint/2010/main" val="346436734"/>
+      </p:ext>
+    </p:extLst>
+  </p:cSld>
+  <p:clrMapOvr>
+    <a:masterClrMapping/>
+  </p:clrMapOvr>
+</p:notes>
+</file>
+
+<file path=ppt/notesSlides/notesSlide7.xml><?xml version="1.0" encoding="utf-8"?>
+<p:notes xmlns:a="http://schemas.openxmlformats.org/drawingml/2006/main" xmlns:r="http://schemas.openxmlformats.org/officeDocument/2006/relationships" xmlns:p="http://schemas.openxmlformats.org/presentationml/2006/main">
+  <p:cSld>
+    <p:spTree>
+      <p:nvGrpSpPr>
+        <p:cNvPr id="1" name=""/>
+        <p:cNvGrpSpPr/>
+        <p:nvPr/>
+      </p:nvGrpSpPr>
+      <p:grpSpPr>
+        <a:xfrm>
+          <a:off x="0" y="0"/>
+          <a:ext cx="0" cy="0"/>
+          <a:chOff x="0" y="0"/>
+          <a:chExt cx="0" cy="0"/>
+        </a:xfrm>
+      </p:grpSpPr>
+      <p:sp>
+        <p:nvSpPr>
+          <p:cNvPr id="2" name="Slide Image Placeholder 1"/>
+          <p:cNvSpPr>
+            <a:spLocks noGrp="1" noRot="1" noChangeAspect="1"/>
+          </p:cNvSpPr>
+          <p:nvPr>
+            <p:ph type="sldImg"/>
+          </p:nvPr>
+        </p:nvSpPr>
+        <p:spPr/>
+      </p:sp>
+      <p:sp>
+        <p:nvSpPr>
+          <p:cNvPr id="3" name="Notes Placeholder 2"/>
+          <p:cNvSpPr>
+            <a:spLocks noGrp="1"/>
+          </p:cNvSpPr>
+          <p:nvPr>
+            <p:ph type="body" idx="1"/>
+          </p:nvPr>
+        </p:nvSpPr>
+        <p:spPr/>
+        <p:txBody>
+          <a:bodyPr/>
+          <a:lstStyle/>
+          <a:p>
+            <a:r>
+              <a:rPr lang="es-CO" dirty="0"/>
+              <a:t>No es claro La </a:t>
+            </a:r>
+            <a:r>
+              <a:rPr lang="es-CO" dirty="0" err="1"/>
+              <a:t>Autenticacion</a:t>
+            </a:r>
+            <a:r>
+              <a:rPr lang="es-CO" dirty="0"/>
+              <a:t> , si es por el sistema o por el usuario?, y si fuera el usuario como garantizan que si sea o que pueda comparar </a:t>
+            </a:r>
+            <a:r>
+              <a:rPr lang="es-CO"/>
+              <a:t>múltiples boletas</a:t>
+            </a:r>
+            <a:endParaRPr lang="es-CO" dirty="0"/>
+          </a:p>
+        </p:txBody>
+      </p:sp>
+      <p:sp>
+        <p:nvSpPr>
+          <p:cNvPr id="4" name="Slide Number Placeholder 3"/>
+          <p:cNvSpPr>
+            <a:spLocks noGrp="1"/>
+          </p:cNvSpPr>
+          <p:nvPr>
+            <p:ph type="sldNum" sz="quarter" idx="5"/>
+          </p:nvPr>
+        </p:nvSpPr>
+        <p:spPr/>
+        <p:txBody>
+          <a:bodyPr/>
+          <a:lstStyle/>
+          <a:p>
+            <a:fld id="{4600BED6-DE3C-4085-94EE-B5A126D1AF88}" type="slidenum">
+              <a:rPr lang="es-CO" smtClean="0"/>
+              <a:t>20</a:t>
+            </a:fld>
+            <a:endParaRPr lang="es-CO"/>
+          </a:p>
+        </p:txBody>
+      </p:sp>
+    </p:spTree>
+    <p:extLst>
+      <p:ext uri="{BB962C8B-B14F-4D97-AF65-F5344CB8AC3E}">
+        <p14:creationId xmlns:p14="http://schemas.microsoft.com/office/powerpoint/2010/main" val="4063208002"/>
       </p:ext>
     </p:extLst>
   </p:cSld>
@@ -775,7 +1329,7 @@
             <a:fld id="{1D8BD707-D9CF-40AE-B4C6-C98DA3205C09}" type="datetimeFigureOut">
               <a:rPr lang="en-US" smtClean="0"/>
               <a:pPr/>
-              <a:t>5/28/2025</a:t>
+              <a:t>5/29/2025</a:t>
             </a:fld>
             <a:endParaRPr lang="en-US"/>
           </a:p>
@@ -818,7 +1372,7 @@
             <a:fld id="{B6F15528-21DE-4FAA-801E-634DDDAF4B2B}" type="slidenum">
               <a:rPr lang="en-US" smtClean="0"/>
               <a:pPr/>
-              <a:t>‹Nº›</a:t>
+              <a:t>‹#›</a:t>
             </a:fld>
             <a:endParaRPr lang="en-US"/>
           </a:p>
@@ -940,7 +1494,7 @@
             <a:fld id="{1D8BD707-D9CF-40AE-B4C6-C98DA3205C09}" type="datetimeFigureOut">
               <a:rPr lang="en-US" smtClean="0"/>
               <a:pPr/>
-              <a:t>5/28/2025</a:t>
+              <a:t>5/29/2025</a:t>
             </a:fld>
             <a:endParaRPr lang="en-US"/>
           </a:p>
@@ -983,7 +1537,7 @@
             <a:fld id="{B6F15528-21DE-4FAA-801E-634DDDAF4B2B}" type="slidenum">
               <a:rPr lang="en-US" smtClean="0"/>
               <a:pPr/>
-              <a:t>‹Nº›</a:t>
+              <a:t>‹#›</a:t>
             </a:fld>
             <a:endParaRPr lang="en-US"/>
           </a:p>
@@ -1115,7 +1669,7 @@
             <a:fld id="{1D8BD707-D9CF-40AE-B4C6-C98DA3205C09}" type="datetimeFigureOut">
               <a:rPr lang="en-US" smtClean="0"/>
               <a:pPr/>
-              <a:t>5/28/2025</a:t>
+              <a:t>5/29/2025</a:t>
             </a:fld>
             <a:endParaRPr lang="en-US"/>
           </a:p>
@@ -1158,7 +1712,7 @@
             <a:fld id="{B6F15528-21DE-4FAA-801E-634DDDAF4B2B}" type="slidenum">
               <a:rPr lang="en-US" smtClean="0"/>
               <a:pPr/>
-              <a:t>‹Nº›</a:t>
+              <a:t>‹#›</a:t>
             </a:fld>
             <a:endParaRPr lang="en-US"/>
           </a:p>
@@ -1280,7 +1834,7 @@
             <a:fld id="{1D8BD707-D9CF-40AE-B4C6-C98DA3205C09}" type="datetimeFigureOut">
               <a:rPr lang="en-US" smtClean="0"/>
               <a:pPr/>
-              <a:t>5/28/2025</a:t>
+              <a:t>5/29/2025</a:t>
             </a:fld>
             <a:endParaRPr lang="en-US"/>
           </a:p>
@@ -1323,7 +1877,7 @@
             <a:fld id="{B6F15528-21DE-4FAA-801E-634DDDAF4B2B}" type="slidenum">
               <a:rPr lang="en-US" smtClean="0"/>
               <a:pPr/>
-              <a:t>‹Nº›</a:t>
+              <a:t>‹#›</a:t>
             </a:fld>
             <a:endParaRPr lang="en-US"/>
           </a:p>
@@ -1522,7 +2076,7 @@
             <a:fld id="{1D8BD707-D9CF-40AE-B4C6-C98DA3205C09}" type="datetimeFigureOut">
               <a:rPr lang="en-US" smtClean="0"/>
               <a:pPr/>
-              <a:t>5/28/2025</a:t>
+              <a:t>5/29/2025</a:t>
             </a:fld>
             <a:endParaRPr lang="en-US"/>
           </a:p>
@@ -1565,7 +2119,7 @@
             <a:fld id="{B6F15528-21DE-4FAA-801E-634DDDAF4B2B}" type="slidenum">
               <a:rPr lang="en-US" smtClean="0"/>
               <a:pPr/>
-              <a:t>‹Nº›</a:t>
+              <a:t>‹#›</a:t>
             </a:fld>
             <a:endParaRPr lang="en-US"/>
           </a:p>
@@ -1804,7 +2358,7 @@
             <a:fld id="{1D8BD707-D9CF-40AE-B4C6-C98DA3205C09}" type="datetimeFigureOut">
               <a:rPr lang="en-US" smtClean="0"/>
               <a:pPr/>
-              <a:t>5/28/2025</a:t>
+              <a:t>5/29/2025</a:t>
             </a:fld>
             <a:endParaRPr lang="en-US"/>
           </a:p>
@@ -1847,7 +2401,7 @@
             <a:fld id="{B6F15528-21DE-4FAA-801E-634DDDAF4B2B}" type="slidenum">
               <a:rPr lang="en-US" smtClean="0"/>
               <a:pPr/>
-              <a:t>‹Nº›</a:t>
+              <a:t>‹#›</a:t>
             </a:fld>
             <a:endParaRPr lang="en-US"/>
           </a:p>
@@ -2220,7 +2774,7 @@
             <a:fld id="{1D8BD707-D9CF-40AE-B4C6-C98DA3205C09}" type="datetimeFigureOut">
               <a:rPr lang="en-US" smtClean="0"/>
               <a:pPr/>
-              <a:t>5/28/2025</a:t>
+              <a:t>5/29/2025</a:t>
             </a:fld>
             <a:endParaRPr lang="en-US"/>
           </a:p>
@@ -2263,7 +2817,7 @@
             <a:fld id="{B6F15528-21DE-4FAA-801E-634DDDAF4B2B}" type="slidenum">
               <a:rPr lang="en-US" smtClean="0"/>
               <a:pPr/>
-              <a:t>‹Nº›</a:t>
+              <a:t>‹#›</a:t>
             </a:fld>
             <a:endParaRPr lang="en-US"/>
           </a:p>
@@ -2334,7 +2888,7 @@
             <a:fld id="{1D8BD707-D9CF-40AE-B4C6-C98DA3205C09}" type="datetimeFigureOut">
               <a:rPr lang="en-US" smtClean="0"/>
               <a:pPr/>
-              <a:t>5/28/2025</a:t>
+              <a:t>5/29/2025</a:t>
             </a:fld>
             <a:endParaRPr lang="en-US"/>
           </a:p>
@@ -2377,7 +2931,7 @@
             <a:fld id="{B6F15528-21DE-4FAA-801E-634DDDAF4B2B}" type="slidenum">
               <a:rPr lang="en-US" smtClean="0"/>
               <a:pPr/>
-              <a:t>‹Nº›</a:t>
+              <a:t>‹#›</a:t>
             </a:fld>
             <a:endParaRPr lang="en-US"/>
           </a:p>
@@ -2426,7 +2980,7 @@
             <a:fld id="{1D8BD707-D9CF-40AE-B4C6-C98DA3205C09}" type="datetimeFigureOut">
               <a:rPr lang="en-US" smtClean="0"/>
               <a:pPr/>
-              <a:t>5/28/2025</a:t>
+              <a:t>5/29/2025</a:t>
             </a:fld>
             <a:endParaRPr lang="en-US"/>
           </a:p>
@@ -2469,7 +3023,7 @@
             <a:fld id="{B6F15528-21DE-4FAA-801E-634DDDAF4B2B}" type="slidenum">
               <a:rPr lang="en-US" smtClean="0"/>
               <a:pPr/>
-              <a:t>‹Nº›</a:t>
+              <a:t>‹#›</a:t>
             </a:fld>
             <a:endParaRPr lang="en-US"/>
           </a:p>
@@ -2698,7 +3252,7 @@
             <a:fld id="{1D8BD707-D9CF-40AE-B4C6-C98DA3205C09}" type="datetimeFigureOut">
               <a:rPr lang="en-US" smtClean="0"/>
               <a:pPr/>
-              <a:t>5/28/2025</a:t>
+              <a:t>5/29/2025</a:t>
             </a:fld>
             <a:endParaRPr lang="en-US"/>
           </a:p>
@@ -2741,7 +3295,7 @@
             <a:fld id="{B6F15528-21DE-4FAA-801E-634DDDAF4B2B}" type="slidenum">
               <a:rPr lang="en-US" smtClean="0"/>
               <a:pPr/>
-              <a:t>‹Nº›</a:t>
+              <a:t>‹#›</a:t>
             </a:fld>
             <a:endParaRPr lang="en-US"/>
           </a:p>
@@ -2947,7 +3501,7 @@
             <a:fld id="{1D8BD707-D9CF-40AE-B4C6-C98DA3205C09}" type="datetimeFigureOut">
               <a:rPr lang="en-US" smtClean="0"/>
               <a:pPr/>
-              <a:t>5/28/2025</a:t>
+              <a:t>5/29/2025</a:t>
             </a:fld>
             <a:endParaRPr lang="en-US"/>
           </a:p>
@@ -2990,7 +3544,7 @@
             <a:fld id="{B6F15528-21DE-4FAA-801E-634DDDAF4B2B}" type="slidenum">
               <a:rPr lang="en-US" smtClean="0"/>
               <a:pPr/>
-              <a:t>‹Nº›</a:t>
+              <a:t>‹#›</a:t>
             </a:fld>
             <a:endParaRPr lang="en-US"/>
           </a:p>
@@ -3155,7 +3709,7 @@
             <a:fld id="{1D8BD707-D9CF-40AE-B4C6-C98DA3205C09}" type="datetimeFigureOut">
               <a:rPr lang="en-US" smtClean="0"/>
               <a:pPr/>
-              <a:t>5/28/2025</a:t>
+              <a:t>5/29/2025</a:t>
             </a:fld>
             <a:endParaRPr lang="en-US"/>
           </a:p>
@@ -3234,7 +3788,7 @@
             <a:fld id="{B6F15528-21DE-4FAA-801E-634DDDAF4B2B}" type="slidenum">
               <a:rPr lang="en-US" smtClean="0"/>
               <a:pPr/>
-              <a:t>‹Nº›</a:t>
+              <a:t>‹#›</a:t>
             </a:fld>
             <a:endParaRPr lang="en-US"/>
           </a:p>
@@ -9354,10 +9908,10 @@
             </a:pathLst>
           </a:custGeom>
           <a:blipFill>
-            <a:blip r:embed="rId2">
+            <a:blip r:embed="rId3">
               <a:extLst>
                 <a:ext uri="{96DAC541-7B7A-43D3-8B79-37D633B846F1}">
-                  <asvg:svgBlip xmlns:asvg="http://schemas.microsoft.com/office/drawing/2016/SVG/main" r:embed="rId3"/>
+                  <asvg:svgBlip xmlns:asvg="http://schemas.microsoft.com/office/drawing/2016/SVG/main" r:embed="rId4"/>
                 </a:ext>
               </a:extLst>
             </a:blip>
@@ -9424,10 +9978,10 @@
             </a:pathLst>
           </a:custGeom>
           <a:blipFill>
-            <a:blip r:embed="rId4">
+            <a:blip r:embed="rId5">
               <a:extLst>
                 <a:ext uri="{96DAC541-7B7A-43D3-8B79-37D633B846F1}">
-                  <asvg:svgBlip xmlns:asvg="http://schemas.microsoft.com/office/drawing/2016/SVG/main" r:embed="rId5"/>
+                  <asvg:svgBlip xmlns:asvg="http://schemas.microsoft.com/office/drawing/2016/SVG/main" r:embed="rId6"/>
                 </a:ext>
               </a:extLst>
             </a:blip>
@@ -9623,7 +10177,7 @@
           <p:nvPr/>
         </p:nvPicPr>
         <p:blipFill>
-          <a:blip r:embed="rId6" cstate="print">
+          <a:blip r:embed="rId7" cstate="print">
             <a:extLst>
               <a:ext uri="{28A0092B-C50C-407E-A947-70E740481C1C}">
                 <a14:useLocalDpi xmlns:a14="http://schemas.microsoft.com/office/drawing/2010/main" val="0"/>
@@ -14572,10 +15126,10 @@
             </a:pathLst>
           </a:custGeom>
           <a:blipFill>
-            <a:blip r:embed="rId2">
+            <a:blip r:embed="rId3">
               <a:extLst>
                 <a:ext uri="{96DAC541-7B7A-43D3-8B79-37D633B846F1}">
-                  <asvg:svgBlip xmlns:asvg="http://schemas.microsoft.com/office/drawing/2016/SVG/main" r:embed="rId3"/>
+                  <asvg:svgBlip xmlns:asvg="http://schemas.microsoft.com/office/drawing/2016/SVG/main" r:embed="rId4"/>
                 </a:ext>
               </a:extLst>
             </a:blip>
@@ -14642,10 +15196,10 @@
             </a:pathLst>
           </a:custGeom>
           <a:blipFill>
-            <a:blip r:embed="rId4">
+            <a:blip r:embed="rId5">
               <a:extLst>
                 <a:ext uri="{96DAC541-7B7A-43D3-8B79-37D633B846F1}">
-                  <asvg:svgBlip xmlns:asvg="http://schemas.microsoft.com/office/drawing/2016/SVG/main" r:embed="rId5"/>
+                  <asvg:svgBlip xmlns:asvg="http://schemas.microsoft.com/office/drawing/2016/SVG/main" r:embed="rId6"/>
                 </a:ext>
               </a:extLst>
             </a:blip>
@@ -14922,7 +15476,7 @@
           <p:nvPr/>
         </p:nvPicPr>
         <p:blipFill>
-          <a:blip r:embed="rId6" cstate="print">
+          <a:blip r:embed="rId7" cstate="print">
             <a:extLst>
               <a:ext uri="{28A0092B-C50C-407E-A947-70E740481C1C}">
                 <a14:useLocalDpi xmlns:a14="http://schemas.microsoft.com/office/drawing/2010/main" val="0"/>
@@ -18021,10 +18575,10 @@
             </a:pathLst>
           </a:custGeom>
           <a:blipFill>
-            <a:blip r:embed="rId2">
+            <a:blip r:embed="rId3">
               <a:extLst>
                 <a:ext uri="{96DAC541-7B7A-43D3-8B79-37D633B846F1}">
-                  <asvg:svgBlip xmlns:asvg="http://schemas.microsoft.com/office/drawing/2016/SVG/main" r:embed="rId3"/>
+                  <asvg:svgBlip xmlns:asvg="http://schemas.microsoft.com/office/drawing/2016/SVG/main" r:embed="rId4"/>
                 </a:ext>
               </a:extLst>
             </a:blip>
@@ -18121,10 +18675,10 @@
             </a:pathLst>
           </a:custGeom>
           <a:blipFill>
-            <a:blip r:embed="rId2">
+            <a:blip r:embed="rId3">
               <a:extLst>
                 <a:ext uri="{96DAC541-7B7A-43D3-8B79-37D633B846F1}">
-                  <asvg:svgBlip xmlns:asvg="http://schemas.microsoft.com/office/drawing/2016/SVG/main" r:embed="rId3"/>
+                  <asvg:svgBlip xmlns:asvg="http://schemas.microsoft.com/office/drawing/2016/SVG/main" r:embed="rId4"/>
                 </a:ext>
               </a:extLst>
             </a:blip>
@@ -18221,10 +18775,10 @@
             </a:pathLst>
           </a:custGeom>
           <a:blipFill>
-            <a:blip r:embed="rId4">
+            <a:blip r:embed="rId5">
               <a:extLst>
                 <a:ext uri="{96DAC541-7B7A-43D3-8B79-37D633B846F1}">
-                  <asvg:svgBlip xmlns:asvg="http://schemas.microsoft.com/office/drawing/2016/SVG/main" r:embed="rId5"/>
+                  <asvg:svgBlip xmlns:asvg="http://schemas.microsoft.com/office/drawing/2016/SVG/main" r:embed="rId6"/>
                 </a:ext>
               </a:extLst>
             </a:blip>
@@ -19039,10 +19593,10 @@
             </a:pathLst>
           </a:custGeom>
           <a:blipFill>
-            <a:blip r:embed="rId4">
+            <a:blip r:embed="rId5">
               <a:extLst>
                 <a:ext uri="{96DAC541-7B7A-43D3-8B79-37D633B846F1}">
-                  <asvg:svgBlip xmlns:asvg="http://schemas.microsoft.com/office/drawing/2016/SVG/main" r:embed="rId5"/>
+                  <asvg:svgBlip xmlns:asvg="http://schemas.microsoft.com/office/drawing/2016/SVG/main" r:embed="rId6"/>
                 </a:ext>
               </a:extLst>
             </a:blip>
@@ -20619,10 +21173,10 @@
             </a:pathLst>
           </a:custGeom>
           <a:blipFill>
-            <a:blip r:embed="rId2">
+            <a:blip r:embed="rId3">
               <a:extLst>
                 <a:ext uri="{96DAC541-7B7A-43D3-8B79-37D633B846F1}">
-                  <asvg:svgBlip xmlns:asvg="http://schemas.microsoft.com/office/drawing/2016/SVG/main" r:embed="rId3"/>
+                  <asvg:svgBlip xmlns:asvg="http://schemas.microsoft.com/office/drawing/2016/SVG/main" r:embed="rId4"/>
                 </a:ext>
               </a:extLst>
             </a:blip>
@@ -20719,10 +21273,10 @@
             </a:pathLst>
           </a:custGeom>
           <a:blipFill>
-            <a:blip r:embed="rId2">
+            <a:blip r:embed="rId3">
               <a:extLst>
                 <a:ext uri="{96DAC541-7B7A-43D3-8B79-37D633B846F1}">
-                  <asvg:svgBlip xmlns:asvg="http://schemas.microsoft.com/office/drawing/2016/SVG/main" r:embed="rId3"/>
+                  <asvg:svgBlip xmlns:asvg="http://schemas.microsoft.com/office/drawing/2016/SVG/main" r:embed="rId4"/>
                 </a:ext>
               </a:extLst>
             </a:blip>
@@ -20819,10 +21373,10 @@
             </a:pathLst>
           </a:custGeom>
           <a:blipFill>
-            <a:blip r:embed="rId4">
+            <a:blip r:embed="rId5">
               <a:extLst>
                 <a:ext uri="{96DAC541-7B7A-43D3-8B79-37D633B846F1}">
-                  <asvg:svgBlip xmlns:asvg="http://schemas.microsoft.com/office/drawing/2016/SVG/main" r:embed="rId5"/>
+                  <asvg:svgBlip xmlns:asvg="http://schemas.microsoft.com/office/drawing/2016/SVG/main" r:embed="rId6"/>
                 </a:ext>
               </a:extLst>
             </a:blip>
@@ -22652,10 +23206,10 @@
             </a:pathLst>
           </a:custGeom>
           <a:blipFill>
-            <a:blip r:embed="rId2">
+            <a:blip r:embed="rId3">
               <a:extLst>
                 <a:ext uri="{96DAC541-7B7A-43D3-8B79-37D633B846F1}">
-                  <asvg:svgBlip xmlns:asvg="http://schemas.microsoft.com/office/drawing/2016/SVG/main" r:embed="rId3"/>
+                  <asvg:svgBlip xmlns:asvg="http://schemas.microsoft.com/office/drawing/2016/SVG/main" r:embed="rId4"/>
                 </a:ext>
               </a:extLst>
             </a:blip>
@@ -22752,10 +23306,10 @@
             </a:pathLst>
           </a:custGeom>
           <a:blipFill>
-            <a:blip r:embed="rId2">
+            <a:blip r:embed="rId3">
               <a:extLst>
                 <a:ext uri="{96DAC541-7B7A-43D3-8B79-37D633B846F1}">
-                  <asvg:svgBlip xmlns:asvg="http://schemas.microsoft.com/office/drawing/2016/SVG/main" r:embed="rId3"/>
+                  <asvg:svgBlip xmlns:asvg="http://schemas.microsoft.com/office/drawing/2016/SVG/main" r:embed="rId4"/>
                 </a:ext>
               </a:extLst>
             </a:blip>
@@ -22852,10 +23406,10 @@
             </a:pathLst>
           </a:custGeom>
           <a:blipFill>
-            <a:blip r:embed="rId4">
+            <a:blip r:embed="rId5">
               <a:extLst>
                 <a:ext uri="{96DAC541-7B7A-43D3-8B79-37D633B846F1}">
-                  <asvg:svgBlip xmlns:asvg="http://schemas.microsoft.com/office/drawing/2016/SVG/main" r:embed="rId5"/>
+                  <asvg:svgBlip xmlns:asvg="http://schemas.microsoft.com/office/drawing/2016/SVG/main" r:embed="rId6"/>
                 </a:ext>
               </a:extLst>
             </a:blip>
@@ -25357,10 +25911,10 @@
             </a:pathLst>
           </a:custGeom>
           <a:blipFill>
-            <a:blip r:embed="rId2">
+            <a:blip r:embed="rId3">
               <a:extLst>
                 <a:ext uri="{96DAC541-7B7A-43D3-8B79-37D633B846F1}">
-                  <asvg:svgBlip xmlns:asvg="http://schemas.microsoft.com/office/drawing/2016/SVG/main" r:embed="rId3"/>
+                  <asvg:svgBlip xmlns:asvg="http://schemas.microsoft.com/office/drawing/2016/SVG/main" r:embed="rId4"/>
                 </a:ext>
               </a:extLst>
             </a:blip>
@@ -25421,10 +25975,10 @@
             </a:pathLst>
           </a:custGeom>
           <a:blipFill>
-            <a:blip r:embed="rId4">
+            <a:blip r:embed="rId5">
               <a:extLst>
                 <a:ext uri="{96DAC541-7B7A-43D3-8B79-37D633B846F1}">
-                  <asvg:svgBlip xmlns:asvg="http://schemas.microsoft.com/office/drawing/2016/SVG/main" r:embed="rId5"/>
+                  <asvg:svgBlip xmlns:asvg="http://schemas.microsoft.com/office/drawing/2016/SVG/main" r:embed="rId6"/>
                 </a:ext>
               </a:extLst>
             </a:blip>
@@ -25485,10 +26039,10 @@
             </a:pathLst>
           </a:custGeom>
           <a:blipFill>
-            <a:blip r:embed="rId6">
+            <a:blip r:embed="rId7">
               <a:extLst>
                 <a:ext uri="{96DAC541-7B7A-43D3-8B79-37D633B846F1}">
-                  <asvg:svgBlip xmlns:asvg="http://schemas.microsoft.com/office/drawing/2016/SVG/main" r:embed="rId7"/>
+                  <asvg:svgBlip xmlns:asvg="http://schemas.microsoft.com/office/drawing/2016/SVG/main" r:embed="rId8"/>
                 </a:ext>
               </a:extLst>
             </a:blip>
@@ -25549,10 +26103,10 @@
             </a:pathLst>
           </a:custGeom>
           <a:blipFill>
-            <a:blip r:embed="rId6">
+            <a:blip r:embed="rId7">
               <a:extLst>
                 <a:ext uri="{96DAC541-7B7A-43D3-8B79-37D633B846F1}">
-                  <asvg:svgBlip xmlns:asvg="http://schemas.microsoft.com/office/drawing/2016/SVG/main" r:embed="rId7"/>
+                  <asvg:svgBlip xmlns:asvg="http://schemas.microsoft.com/office/drawing/2016/SVG/main" r:embed="rId8"/>
                 </a:ext>
               </a:extLst>
             </a:blip>
